--- a/docs/diagrams/SaveFileActivityDiagram.pptx
+++ b/docs/diagrams/SaveFileActivityDiagram.pptx
@@ -254,7 +254,7 @@
           <a:p>
             <a:fld id="{3206CBF5-F077-431E-855F-ED06028A15FA}" type="datetimeFigureOut">
               <a:rPr lang="en-US" smtClean="0"/>
-              <a:t>08-Apr-17</a:t>
+              <a:t>4/9/17</a:t>
             </a:fld>
             <a:endParaRPr lang="en-US"/>
           </a:p>
@@ -424,7 +424,7 @@
           <a:p>
             <a:fld id="{3206CBF5-F077-431E-855F-ED06028A15FA}" type="datetimeFigureOut">
               <a:rPr lang="en-US" smtClean="0"/>
-              <a:t>08-Apr-17</a:t>
+              <a:t>4/9/17</a:t>
             </a:fld>
             <a:endParaRPr lang="en-US"/>
           </a:p>
@@ -604,7 +604,7 @@
           <a:p>
             <a:fld id="{3206CBF5-F077-431E-855F-ED06028A15FA}" type="datetimeFigureOut">
               <a:rPr lang="en-US" smtClean="0"/>
-              <a:t>08-Apr-17</a:t>
+              <a:t>4/9/17</a:t>
             </a:fld>
             <a:endParaRPr lang="en-US"/>
           </a:p>
@@ -774,7 +774,7 @@
           <a:p>
             <a:fld id="{3206CBF5-F077-431E-855F-ED06028A15FA}" type="datetimeFigureOut">
               <a:rPr lang="en-US" smtClean="0"/>
-              <a:t>08-Apr-17</a:t>
+              <a:t>4/9/17</a:t>
             </a:fld>
             <a:endParaRPr lang="en-US"/>
           </a:p>
@@ -1020,7 +1020,7 @@
           <a:p>
             <a:fld id="{3206CBF5-F077-431E-855F-ED06028A15FA}" type="datetimeFigureOut">
               <a:rPr lang="en-US" smtClean="0"/>
-              <a:t>08-Apr-17</a:t>
+              <a:t>4/9/17</a:t>
             </a:fld>
             <a:endParaRPr lang="en-US"/>
           </a:p>
@@ -1252,7 +1252,7 @@
           <a:p>
             <a:fld id="{3206CBF5-F077-431E-855F-ED06028A15FA}" type="datetimeFigureOut">
               <a:rPr lang="en-US" smtClean="0"/>
-              <a:t>08-Apr-17</a:t>
+              <a:t>4/9/17</a:t>
             </a:fld>
             <a:endParaRPr lang="en-US"/>
           </a:p>
@@ -1619,7 +1619,7 @@
           <a:p>
             <a:fld id="{3206CBF5-F077-431E-855F-ED06028A15FA}" type="datetimeFigureOut">
               <a:rPr lang="en-US" smtClean="0"/>
-              <a:t>08-Apr-17</a:t>
+              <a:t>4/9/17</a:t>
             </a:fld>
             <a:endParaRPr lang="en-US"/>
           </a:p>
@@ -1737,7 +1737,7 @@
           <a:p>
             <a:fld id="{3206CBF5-F077-431E-855F-ED06028A15FA}" type="datetimeFigureOut">
               <a:rPr lang="en-US" smtClean="0"/>
-              <a:t>08-Apr-17</a:t>
+              <a:t>4/9/17</a:t>
             </a:fld>
             <a:endParaRPr lang="en-US"/>
           </a:p>
@@ -1832,7 +1832,7 @@
           <a:p>
             <a:fld id="{3206CBF5-F077-431E-855F-ED06028A15FA}" type="datetimeFigureOut">
               <a:rPr lang="en-US" smtClean="0"/>
-              <a:t>08-Apr-17</a:t>
+              <a:t>4/9/17</a:t>
             </a:fld>
             <a:endParaRPr lang="en-US"/>
           </a:p>
@@ -2109,7 +2109,7 @@
           <a:p>
             <a:fld id="{3206CBF5-F077-431E-855F-ED06028A15FA}" type="datetimeFigureOut">
               <a:rPr lang="en-US" smtClean="0"/>
-              <a:t>08-Apr-17</a:t>
+              <a:t>4/9/17</a:t>
             </a:fld>
             <a:endParaRPr lang="en-US"/>
           </a:p>
@@ -2362,7 +2362,7 @@
           <a:p>
             <a:fld id="{3206CBF5-F077-431E-855F-ED06028A15FA}" type="datetimeFigureOut">
               <a:rPr lang="en-US" smtClean="0"/>
-              <a:t>08-Apr-17</a:t>
+              <a:t>4/9/17</a:t>
             </a:fld>
             <a:endParaRPr lang="en-US"/>
           </a:p>
@@ -2575,7 +2575,7 @@
           <a:p>
             <a:fld id="{3206CBF5-F077-431E-855F-ED06028A15FA}" type="datetimeFigureOut">
               <a:rPr lang="en-US" smtClean="0"/>
-              <a:t>08-Apr-17</a:t>
+              <a:t>4/9/17</a:t>
             </a:fld>
             <a:endParaRPr lang="en-US"/>
           </a:p>
@@ -3020,351 +3020,366 @@
           </a:p>
         </p:txBody>
       </p:sp>
-      <p:sp>
-        <p:nvSpPr>
-          <p:cNvPr id="5" name="Rounded Rectangle 4"/>
-          <p:cNvSpPr/>
+      <p:grpSp>
+        <p:nvGrpSpPr>
+          <p:cNvPr id="2" name="Group 1"/>
+          <p:cNvGrpSpPr/>
           <p:nvPr/>
-        </p:nvSpPr>
-        <p:spPr>
+        </p:nvGrpSpPr>
+        <p:grpSpPr>
           <a:xfrm>
-            <a:off x="3731740" y="959712"/>
-            <a:ext cx="2965622" cy="1589902"/>
+            <a:off x="3731740" y="766120"/>
+            <a:ext cx="4316627" cy="5848864"/>
+            <a:chOff x="3731740" y="766120"/>
+            <a:chExt cx="4316627" cy="5848864"/>
           </a:xfrm>
-          <a:prstGeom prst="roundRect">
-            <a:avLst/>
-          </a:prstGeom>
-          <a:solidFill>
-            <a:schemeClr val="accent1">
-              <a:lumMod val="75000"/>
-            </a:schemeClr>
-          </a:solidFill>
-        </p:spPr>
-        <p:style>
-          <a:lnRef idx="2">
-            <a:schemeClr val="accent1">
-              <a:shade val="50000"/>
-            </a:schemeClr>
-          </a:lnRef>
-          <a:fillRef idx="1">
-            <a:schemeClr val="accent1"/>
-          </a:fillRef>
-          <a:effectRef idx="0">
-            <a:schemeClr val="accent1"/>
-          </a:effectRef>
-          <a:fontRef idx="minor">
-            <a:schemeClr val="lt1"/>
-          </a:fontRef>
-        </p:style>
-        <p:txBody>
-          <a:bodyPr rtlCol="0" anchor="ctr"/>
-          <a:lstStyle/>
-          <a:p>
-            <a:pPr algn="ctr"/>
-            <a:r>
-              <a:rPr lang="en-SG" sz="2400" dirty="0" smtClean="0"/>
-              <a:t>User issues save command for current data at specified </a:t>
-            </a:r>
-            <a:r>
-              <a:rPr lang="en-SG" sz="2400" dirty="0" err="1" smtClean="0"/>
-              <a:t>FilePath</a:t>
-            </a:r>
-            <a:endParaRPr lang="en-US" sz="2400" dirty="0"/>
-          </a:p>
-        </p:txBody>
-      </p:sp>
-      <p:sp>
-        <p:nvSpPr>
-          <p:cNvPr id="6" name="Rounded Rectangle 5"/>
-          <p:cNvSpPr/>
-          <p:nvPr/>
-        </p:nvSpPr>
-        <p:spPr>
-          <a:xfrm>
-            <a:off x="3731740" y="2994459"/>
-            <a:ext cx="2965622" cy="1589902"/>
-          </a:xfrm>
-          <a:prstGeom prst="roundRect">
-            <a:avLst/>
-          </a:prstGeom>
-          <a:solidFill>
-            <a:schemeClr val="accent2">
-              <a:lumMod val="75000"/>
-            </a:schemeClr>
-          </a:solidFill>
-        </p:spPr>
-        <p:style>
-          <a:lnRef idx="2">
-            <a:schemeClr val="accent1">
-              <a:shade val="50000"/>
-            </a:schemeClr>
-          </a:lnRef>
-          <a:fillRef idx="1">
-            <a:schemeClr val="accent1"/>
-          </a:fillRef>
-          <a:effectRef idx="0">
-            <a:schemeClr val="accent1"/>
-          </a:effectRef>
-          <a:fontRef idx="minor">
-            <a:schemeClr val="lt1"/>
-          </a:fontRef>
-        </p:style>
-        <p:txBody>
-          <a:bodyPr rtlCol="0" anchor="ctr"/>
-          <a:lstStyle/>
-          <a:p>
-            <a:pPr algn="ctr"/>
-            <a:r>
-              <a:rPr lang="en-SG" sz="2400" dirty="0" err="1" smtClean="0"/>
-              <a:t>WhatsLeft</a:t>
-            </a:r>
-            <a:r>
-              <a:rPr lang="en-SG" sz="2400" dirty="0" smtClean="0"/>
-              <a:t> saves data at the specified location</a:t>
-            </a:r>
-            <a:endParaRPr lang="en-US" sz="2400" dirty="0"/>
-          </a:p>
-        </p:txBody>
-      </p:sp>
-      <p:sp>
-        <p:nvSpPr>
-          <p:cNvPr id="7" name="Rounded Rectangle 6"/>
-          <p:cNvSpPr/>
-          <p:nvPr/>
-        </p:nvSpPr>
-        <p:spPr>
-          <a:xfrm>
-            <a:off x="3731740" y="5025082"/>
-            <a:ext cx="2965622" cy="1589902"/>
-          </a:xfrm>
-          <a:prstGeom prst="roundRect">
-            <a:avLst/>
-          </a:prstGeom>
-          <a:solidFill>
-            <a:schemeClr val="accent2">
-              <a:lumMod val="75000"/>
-            </a:schemeClr>
-          </a:solidFill>
-        </p:spPr>
-        <p:style>
-          <a:lnRef idx="2">
-            <a:schemeClr val="accent1">
-              <a:shade val="50000"/>
-            </a:schemeClr>
-          </a:lnRef>
-          <a:fillRef idx="1">
-            <a:schemeClr val="accent1"/>
-          </a:fillRef>
-          <a:effectRef idx="0">
-            <a:schemeClr val="accent1"/>
-          </a:effectRef>
-          <a:fontRef idx="minor">
-            <a:schemeClr val="lt1"/>
-          </a:fontRef>
-        </p:style>
-        <p:txBody>
-          <a:bodyPr rtlCol="0" anchor="ctr"/>
-          <a:lstStyle/>
-          <a:p>
-            <a:pPr algn="ctr"/>
-            <a:r>
-              <a:rPr lang="en-SG" sz="2400" dirty="0" err="1" smtClean="0"/>
-              <a:t>WhatsLeft</a:t>
-            </a:r>
-            <a:r>
-              <a:rPr lang="en-SG" sz="2400" dirty="0" smtClean="0"/>
-              <a:t> sets default </a:t>
-            </a:r>
-            <a:r>
-              <a:rPr lang="en-SG" sz="2400" dirty="0" err="1" smtClean="0"/>
-              <a:t>FilePath</a:t>
-            </a:r>
-            <a:r>
-              <a:rPr lang="en-SG" sz="2400" dirty="0" smtClean="0"/>
-              <a:t> to the specified location</a:t>
-            </a:r>
-            <a:endParaRPr lang="en-US" sz="2400" dirty="0"/>
-          </a:p>
-        </p:txBody>
-      </p:sp>
-      <p:cxnSp>
-        <p:nvCxnSpPr>
-          <p:cNvPr id="9" name="Straight Arrow Connector 8"/>
-          <p:cNvCxnSpPr>
-            <a:stCxn id="5" idx="2"/>
-            <a:endCxn id="6" idx="0"/>
-          </p:cNvCxnSpPr>
-          <p:nvPr/>
-        </p:nvCxnSpPr>
-        <p:spPr>
-          <a:xfrm>
-            <a:off x="5214551" y="2549614"/>
-            <a:ext cx="0" cy="444845"/>
-          </a:xfrm>
-          <a:prstGeom prst="straightConnector1">
-            <a:avLst/>
-          </a:prstGeom>
-          <a:ln>
-            <a:tailEnd type="triangle"/>
-          </a:ln>
-        </p:spPr>
-        <p:style>
-          <a:lnRef idx="1">
-            <a:schemeClr val="accent1"/>
-          </a:lnRef>
-          <a:fillRef idx="0">
-            <a:schemeClr val="accent1"/>
-          </a:fillRef>
-          <a:effectRef idx="0">
-            <a:schemeClr val="accent1"/>
-          </a:effectRef>
-          <a:fontRef idx="minor">
-            <a:schemeClr val="tx1"/>
-          </a:fontRef>
-        </p:style>
-      </p:cxnSp>
-      <p:cxnSp>
-        <p:nvCxnSpPr>
-          <p:cNvPr id="10" name="Straight Arrow Connector 9"/>
-          <p:cNvCxnSpPr/>
-          <p:nvPr/>
-        </p:nvCxnSpPr>
-        <p:spPr>
-          <a:xfrm>
-            <a:off x="5214551" y="4580237"/>
-            <a:ext cx="0" cy="444845"/>
-          </a:xfrm>
-          <a:prstGeom prst="straightConnector1">
-            <a:avLst/>
-          </a:prstGeom>
-          <a:ln>
-            <a:tailEnd type="triangle"/>
-          </a:ln>
-        </p:spPr>
-        <p:style>
-          <a:lnRef idx="1">
-            <a:schemeClr val="accent1"/>
-          </a:lnRef>
-          <a:fillRef idx="0">
-            <a:schemeClr val="accent1"/>
-          </a:fillRef>
-          <a:effectRef idx="0">
-            <a:schemeClr val="accent1"/>
-          </a:effectRef>
-          <a:fontRef idx="minor">
-            <a:schemeClr val="tx1"/>
-          </a:fontRef>
-        </p:style>
-      </p:cxnSp>
-      <p:cxnSp>
-        <p:nvCxnSpPr>
-          <p:cNvPr id="12" name="Straight Arrow Connector 11"/>
-          <p:cNvCxnSpPr/>
-          <p:nvPr/>
-        </p:nvCxnSpPr>
-        <p:spPr>
-          <a:xfrm>
-            <a:off x="6697362" y="5820033"/>
-            <a:ext cx="873210" cy="0"/>
-          </a:xfrm>
-          <a:prstGeom prst="straightConnector1">
-            <a:avLst/>
-          </a:prstGeom>
-          <a:ln>
-            <a:tailEnd type="triangle"/>
-          </a:ln>
-        </p:spPr>
-        <p:style>
-          <a:lnRef idx="1">
-            <a:schemeClr val="accent1"/>
-          </a:lnRef>
-          <a:fillRef idx="0">
-            <a:schemeClr val="accent1"/>
-          </a:fillRef>
-          <a:effectRef idx="0">
-            <a:schemeClr val="accent1"/>
-          </a:effectRef>
-          <a:fontRef idx="minor">
-            <a:schemeClr val="tx1"/>
-          </a:fontRef>
-        </p:style>
-      </p:cxnSp>
-      <p:sp>
-        <p:nvSpPr>
-          <p:cNvPr id="13" name="Flowchart: Connector 12"/>
-          <p:cNvSpPr/>
-          <p:nvPr/>
-        </p:nvSpPr>
-        <p:spPr>
-          <a:xfrm>
-            <a:off x="7570572" y="5564660"/>
-            <a:ext cx="477795" cy="510746"/>
-          </a:xfrm>
-          <a:prstGeom prst="flowChartConnector">
-            <a:avLst/>
-          </a:prstGeom>
-        </p:spPr>
-        <p:style>
-          <a:lnRef idx="2">
-            <a:schemeClr val="accent1">
-              <a:shade val="50000"/>
-            </a:schemeClr>
-          </a:lnRef>
-          <a:fillRef idx="1">
-            <a:schemeClr val="accent1"/>
-          </a:fillRef>
-          <a:effectRef idx="0">
-            <a:schemeClr val="accent1"/>
-          </a:effectRef>
-          <a:fontRef idx="minor">
-            <a:schemeClr val="lt1"/>
-          </a:fontRef>
-        </p:style>
-        <p:txBody>
-          <a:bodyPr rtlCol="0" anchor="ctr"/>
-          <a:lstStyle/>
-          <a:p>
-            <a:pPr algn="ctr"/>
-            <a:endParaRPr lang="en-US"/>
-          </a:p>
-        </p:txBody>
-      </p:sp>
-      <p:cxnSp>
-        <p:nvCxnSpPr>
-          <p:cNvPr id="15" name="Straight Arrow Connector 14"/>
-          <p:cNvCxnSpPr>
-            <a:stCxn id="4" idx="4"/>
-            <a:endCxn id="5" idx="0"/>
-          </p:cNvCxnSpPr>
-          <p:nvPr/>
-        </p:nvCxnSpPr>
-        <p:spPr>
-          <a:xfrm flipH="1">
-            <a:off x="5214551" y="766120"/>
-            <a:ext cx="1" cy="193592"/>
-          </a:xfrm>
-          <a:prstGeom prst="straightConnector1">
-            <a:avLst/>
-          </a:prstGeom>
-          <a:ln>
-            <a:tailEnd type="triangle"/>
-          </a:ln>
-        </p:spPr>
-        <p:style>
-          <a:lnRef idx="1">
-            <a:schemeClr val="accent1"/>
-          </a:lnRef>
-          <a:fillRef idx="0">
-            <a:schemeClr val="accent1"/>
-          </a:fillRef>
-          <a:effectRef idx="0">
-            <a:schemeClr val="accent1"/>
-          </a:effectRef>
-          <a:fontRef idx="minor">
-            <a:schemeClr val="tx1"/>
-          </a:fontRef>
-        </p:style>
-      </p:cxnSp>
+        </p:grpSpPr>
+        <p:sp>
+          <p:nvSpPr>
+            <p:cNvPr id="5" name="Rounded Rectangle 4"/>
+            <p:cNvSpPr/>
+            <p:nvPr/>
+          </p:nvSpPr>
+          <p:spPr>
+            <a:xfrm>
+              <a:off x="3731740" y="959712"/>
+              <a:ext cx="2965622" cy="1589902"/>
+            </a:xfrm>
+            <a:prstGeom prst="roundRect">
+              <a:avLst/>
+            </a:prstGeom>
+            <a:solidFill>
+              <a:schemeClr val="accent1">
+                <a:lumMod val="75000"/>
+              </a:schemeClr>
+            </a:solidFill>
+          </p:spPr>
+          <p:style>
+            <a:lnRef idx="2">
+              <a:schemeClr val="accent1">
+                <a:shade val="50000"/>
+              </a:schemeClr>
+            </a:lnRef>
+            <a:fillRef idx="1">
+              <a:schemeClr val="accent1"/>
+            </a:fillRef>
+            <a:effectRef idx="0">
+              <a:schemeClr val="accent1"/>
+            </a:effectRef>
+            <a:fontRef idx="minor">
+              <a:schemeClr val="lt1"/>
+            </a:fontRef>
+          </p:style>
+          <p:txBody>
+            <a:bodyPr rtlCol="0" anchor="ctr"/>
+            <a:lstStyle/>
+            <a:p>
+              <a:pPr algn="ctr"/>
+              <a:r>
+                <a:rPr lang="en-SG" sz="2400" dirty="0" smtClean="0"/>
+                <a:t>User issues save command for current data at specified </a:t>
+              </a:r>
+              <a:r>
+                <a:rPr lang="en-SG" sz="2400" dirty="0" err="1" smtClean="0"/>
+                <a:t>FilePath</a:t>
+              </a:r>
+              <a:endParaRPr lang="en-US" sz="2400" dirty="0"/>
+            </a:p>
+          </p:txBody>
+        </p:sp>
+        <p:sp>
+          <p:nvSpPr>
+            <p:cNvPr id="6" name="Rounded Rectangle 5"/>
+            <p:cNvSpPr/>
+            <p:nvPr/>
+          </p:nvSpPr>
+          <p:spPr>
+            <a:xfrm>
+              <a:off x="3731740" y="2994459"/>
+              <a:ext cx="2965622" cy="1589902"/>
+            </a:xfrm>
+            <a:prstGeom prst="roundRect">
+              <a:avLst/>
+            </a:prstGeom>
+            <a:solidFill>
+              <a:schemeClr val="accent2">
+                <a:lumMod val="75000"/>
+              </a:schemeClr>
+            </a:solidFill>
+          </p:spPr>
+          <p:style>
+            <a:lnRef idx="2">
+              <a:schemeClr val="accent1">
+                <a:shade val="50000"/>
+              </a:schemeClr>
+            </a:lnRef>
+            <a:fillRef idx="1">
+              <a:schemeClr val="accent1"/>
+            </a:fillRef>
+            <a:effectRef idx="0">
+              <a:schemeClr val="accent1"/>
+            </a:effectRef>
+            <a:fontRef idx="minor">
+              <a:schemeClr val="lt1"/>
+            </a:fontRef>
+          </p:style>
+          <p:txBody>
+            <a:bodyPr rtlCol="0" anchor="ctr"/>
+            <a:lstStyle/>
+            <a:p>
+              <a:pPr algn="ctr"/>
+              <a:r>
+                <a:rPr lang="en-SG" sz="2400" dirty="0" err="1" smtClean="0"/>
+                <a:t>WhatsLeft</a:t>
+              </a:r>
+              <a:r>
+                <a:rPr lang="en-SG" sz="2400" dirty="0" smtClean="0"/>
+                <a:t> saves data at the specified location</a:t>
+              </a:r>
+              <a:endParaRPr lang="en-US" sz="2400" dirty="0"/>
+            </a:p>
+          </p:txBody>
+        </p:sp>
+        <p:sp>
+          <p:nvSpPr>
+            <p:cNvPr id="7" name="Rounded Rectangle 6"/>
+            <p:cNvSpPr/>
+            <p:nvPr/>
+          </p:nvSpPr>
+          <p:spPr>
+            <a:xfrm>
+              <a:off x="3731740" y="5025082"/>
+              <a:ext cx="2965622" cy="1589902"/>
+            </a:xfrm>
+            <a:prstGeom prst="roundRect">
+              <a:avLst/>
+            </a:prstGeom>
+            <a:solidFill>
+              <a:schemeClr val="accent2">
+                <a:lumMod val="75000"/>
+              </a:schemeClr>
+            </a:solidFill>
+          </p:spPr>
+          <p:style>
+            <a:lnRef idx="2">
+              <a:schemeClr val="accent1">
+                <a:shade val="50000"/>
+              </a:schemeClr>
+            </a:lnRef>
+            <a:fillRef idx="1">
+              <a:schemeClr val="accent1"/>
+            </a:fillRef>
+            <a:effectRef idx="0">
+              <a:schemeClr val="accent1"/>
+            </a:effectRef>
+            <a:fontRef idx="minor">
+              <a:schemeClr val="lt1"/>
+            </a:fontRef>
+          </p:style>
+          <p:txBody>
+            <a:bodyPr rtlCol="0" anchor="ctr"/>
+            <a:lstStyle/>
+            <a:p>
+              <a:pPr algn="ctr"/>
+              <a:r>
+                <a:rPr lang="en-SG" sz="2400" dirty="0" err="1" smtClean="0"/>
+                <a:t>WhatsLeft</a:t>
+              </a:r>
+              <a:r>
+                <a:rPr lang="en-SG" sz="2400" dirty="0" smtClean="0"/>
+                <a:t> sets default </a:t>
+              </a:r>
+              <a:r>
+                <a:rPr lang="en-SG" sz="2400" dirty="0" err="1" smtClean="0"/>
+                <a:t>FilePath</a:t>
+              </a:r>
+              <a:r>
+                <a:rPr lang="en-SG" sz="2400" dirty="0" smtClean="0"/>
+                <a:t> to the specified location</a:t>
+              </a:r>
+              <a:endParaRPr lang="en-US" sz="2400" dirty="0"/>
+            </a:p>
+          </p:txBody>
+        </p:sp>
+        <p:cxnSp>
+          <p:nvCxnSpPr>
+            <p:cNvPr id="9" name="Straight Arrow Connector 8"/>
+            <p:cNvCxnSpPr>
+              <a:stCxn id="5" idx="2"/>
+              <a:endCxn id="6" idx="0"/>
+            </p:cNvCxnSpPr>
+            <p:nvPr/>
+          </p:nvCxnSpPr>
+          <p:spPr>
+            <a:xfrm>
+              <a:off x="5214551" y="2549614"/>
+              <a:ext cx="0" cy="444845"/>
+            </a:xfrm>
+            <a:prstGeom prst="straightConnector1">
+              <a:avLst/>
+            </a:prstGeom>
+            <a:ln>
+              <a:tailEnd type="triangle"/>
+            </a:ln>
+          </p:spPr>
+          <p:style>
+            <a:lnRef idx="1">
+              <a:schemeClr val="accent1"/>
+            </a:lnRef>
+            <a:fillRef idx="0">
+              <a:schemeClr val="accent1"/>
+            </a:fillRef>
+            <a:effectRef idx="0">
+              <a:schemeClr val="accent1"/>
+            </a:effectRef>
+            <a:fontRef idx="minor">
+              <a:schemeClr val="tx1"/>
+            </a:fontRef>
+          </p:style>
+        </p:cxnSp>
+        <p:cxnSp>
+          <p:nvCxnSpPr>
+            <p:cNvPr id="10" name="Straight Arrow Connector 9"/>
+            <p:cNvCxnSpPr/>
+            <p:nvPr/>
+          </p:nvCxnSpPr>
+          <p:spPr>
+            <a:xfrm>
+              <a:off x="5214551" y="4580237"/>
+              <a:ext cx="0" cy="444845"/>
+            </a:xfrm>
+            <a:prstGeom prst="straightConnector1">
+              <a:avLst/>
+            </a:prstGeom>
+            <a:ln>
+              <a:tailEnd type="triangle"/>
+            </a:ln>
+          </p:spPr>
+          <p:style>
+            <a:lnRef idx="1">
+              <a:schemeClr val="accent1"/>
+            </a:lnRef>
+            <a:fillRef idx="0">
+              <a:schemeClr val="accent1"/>
+            </a:fillRef>
+            <a:effectRef idx="0">
+              <a:schemeClr val="accent1"/>
+            </a:effectRef>
+            <a:fontRef idx="minor">
+              <a:schemeClr val="tx1"/>
+            </a:fontRef>
+          </p:style>
+        </p:cxnSp>
+        <p:cxnSp>
+          <p:nvCxnSpPr>
+            <p:cNvPr id="12" name="Straight Arrow Connector 11"/>
+            <p:cNvCxnSpPr/>
+            <p:nvPr/>
+          </p:nvCxnSpPr>
+          <p:spPr>
+            <a:xfrm>
+              <a:off x="6697362" y="5820033"/>
+              <a:ext cx="873210" cy="0"/>
+            </a:xfrm>
+            <a:prstGeom prst="straightConnector1">
+              <a:avLst/>
+            </a:prstGeom>
+            <a:ln>
+              <a:tailEnd type="triangle"/>
+            </a:ln>
+          </p:spPr>
+          <p:style>
+            <a:lnRef idx="1">
+              <a:schemeClr val="accent1"/>
+            </a:lnRef>
+            <a:fillRef idx="0">
+              <a:schemeClr val="accent1"/>
+            </a:fillRef>
+            <a:effectRef idx="0">
+              <a:schemeClr val="accent1"/>
+            </a:effectRef>
+            <a:fontRef idx="minor">
+              <a:schemeClr val="tx1"/>
+            </a:fontRef>
+          </p:style>
+        </p:cxnSp>
+        <p:sp>
+          <p:nvSpPr>
+            <p:cNvPr id="13" name="Flowchart: Connector 12"/>
+            <p:cNvSpPr/>
+            <p:nvPr/>
+          </p:nvSpPr>
+          <p:spPr>
+            <a:xfrm>
+              <a:off x="7570572" y="5564660"/>
+              <a:ext cx="477795" cy="510746"/>
+            </a:xfrm>
+            <a:prstGeom prst="flowChartConnector">
+              <a:avLst/>
+            </a:prstGeom>
+          </p:spPr>
+          <p:style>
+            <a:lnRef idx="2">
+              <a:schemeClr val="accent1">
+                <a:shade val="50000"/>
+              </a:schemeClr>
+            </a:lnRef>
+            <a:fillRef idx="1">
+              <a:schemeClr val="accent1"/>
+            </a:fillRef>
+            <a:effectRef idx="0">
+              <a:schemeClr val="accent1"/>
+            </a:effectRef>
+            <a:fontRef idx="minor">
+              <a:schemeClr val="lt1"/>
+            </a:fontRef>
+          </p:style>
+          <p:txBody>
+            <a:bodyPr rtlCol="0" anchor="ctr"/>
+            <a:lstStyle/>
+            <a:p>
+              <a:pPr algn="ctr"/>
+              <a:endParaRPr lang="en-US"/>
+            </a:p>
+          </p:txBody>
+        </p:sp>
+        <p:cxnSp>
+          <p:nvCxnSpPr>
+            <p:cNvPr id="15" name="Straight Arrow Connector 14"/>
+            <p:cNvCxnSpPr>
+              <a:stCxn id="4" idx="4"/>
+              <a:endCxn id="5" idx="0"/>
+            </p:cNvCxnSpPr>
+            <p:nvPr/>
+          </p:nvCxnSpPr>
+          <p:spPr>
+            <a:xfrm flipH="1">
+              <a:off x="5214551" y="766120"/>
+              <a:ext cx="1" cy="193592"/>
+            </a:xfrm>
+            <a:prstGeom prst="straightConnector1">
+              <a:avLst/>
+            </a:prstGeom>
+            <a:ln>
+              <a:tailEnd type="triangle"/>
+            </a:ln>
+          </p:spPr>
+          <p:style>
+            <a:lnRef idx="1">
+              <a:schemeClr val="accent1"/>
+            </a:lnRef>
+            <a:fillRef idx="0">
+              <a:schemeClr val="accent1"/>
+            </a:fillRef>
+            <a:effectRef idx="0">
+              <a:schemeClr val="accent1"/>
+            </a:effectRef>
+            <a:fontRef idx="minor">
+              <a:schemeClr val="tx1"/>
+            </a:fontRef>
+          </p:style>
+        </p:cxnSp>
+      </p:grpSp>
       <p:sp>
         <p:nvSpPr>
           <p:cNvPr id="16" name="TextBox 15"/>
